--- a/Smartcleaning.pptx
+++ b/Smartcleaning.pptx
@@ -8,8 +8,9 @@
     <p:sldId id="256" r:id="rId2"/>
     <p:sldId id="257" r:id="rId3"/>
     <p:sldId id="258" r:id="rId4"/>
-    <p:sldId id="259" r:id="rId5"/>
-    <p:sldId id="260" r:id="rId6"/>
+    <p:sldId id="261" r:id="rId5"/>
+    <p:sldId id="259" r:id="rId6"/>
+    <p:sldId id="260" r:id="rId7"/>
   </p:sldIdLst>
   <p:sldSz cx="12192000" cy="6858000"/>
   <p:notesSz cx="6858000" cy="9144000"/>
@@ -108,6 +109,11 @@
       </a:defRPr>
     </a:lvl9pPr>
   </p:defaultTextStyle>
+  <p:extLst>
+    <p:ext uri="{EFAFB233-063F-42B5-8137-9DF3F51BA10A}">
+      <p15:sldGuideLst xmlns:p15="http://schemas.microsoft.com/office/powerpoint/2012/main"/>
+    </p:ext>
+  </p:extLst>
 </p:presentation>
 </file>
 
@@ -6170,12 +6176,8 @@
           <a:lstStyle/>
           <a:p>
             <a:r>
-              <a:rPr lang="de-CH" dirty="0" err="1" smtClean="0"/>
-              <a:t>Issues</a:t>
-            </a:r>
-            <a:r>
               <a:rPr lang="de-CH" dirty="0" smtClean="0"/>
-              <a:t> fixen</a:t>
+              <a:t>Milestones</a:t>
             </a:r>
             <a:endParaRPr lang="de-CH" dirty="0"/>
           </a:p>
@@ -6183,7 +6185,7 @@
       </p:sp>
       <p:pic>
         <p:nvPicPr>
-          <p:cNvPr id="4" name="Grafik 3"/>
+          <p:cNvPr id="3" name="Grafik 2"/>
           <p:cNvPicPr>
             <a:picLocks noChangeAspect="1"/>
           </p:cNvPicPr>
@@ -6197,8 +6199,8 @@
         </p:blipFill>
         <p:spPr>
           <a:xfrm>
-            <a:off x="3638550" y="2181225"/>
-            <a:ext cx="4914900" cy="2495550"/>
+            <a:off x="724619" y="1556263"/>
+            <a:ext cx="7298976" cy="4706514"/>
           </a:xfrm>
           <a:prstGeom prst="rect">
             <a:avLst/>
@@ -6251,6 +6253,87 @@
           <a:lstStyle/>
           <a:p>
             <a:r>
+              <a:rPr lang="de-CH" dirty="0" err="1" smtClean="0"/>
+              <a:t>Issues</a:t>
+            </a:r>
+            <a:r>
+              <a:rPr lang="de-CH" dirty="0" smtClean="0"/>
+              <a:t> fixen</a:t>
+            </a:r>
+            <a:endParaRPr lang="de-CH" dirty="0"/>
+          </a:p>
+        </p:txBody>
+      </p:sp>
+      <p:pic>
+        <p:nvPicPr>
+          <p:cNvPr id="4" name="Grafik 3"/>
+          <p:cNvPicPr>
+            <a:picLocks noChangeAspect="1"/>
+          </p:cNvPicPr>
+          <p:nvPr/>
+        </p:nvPicPr>
+        <p:blipFill>
+          <a:blip r:embed="rId2"/>
+          <a:stretch>
+            <a:fillRect/>
+          </a:stretch>
+        </p:blipFill>
+        <p:spPr>
+          <a:xfrm>
+            <a:off x="3638550" y="2181225"/>
+            <a:ext cx="4914900" cy="2495550"/>
+          </a:xfrm>
+          <a:prstGeom prst="rect">
+            <a:avLst/>
+          </a:prstGeom>
+        </p:spPr>
+      </p:pic>
+    </p:spTree>
+    <p:extLst>
+      <p:ext uri="{BB962C8B-B14F-4D97-AF65-F5344CB8AC3E}">
+        <p14:creationId xmlns:p14="http://schemas.microsoft.com/office/powerpoint/2010/main" val="2628765992"/>
+      </p:ext>
+    </p:extLst>
+  </p:cSld>
+  <p:clrMapOvr>
+    <a:masterClrMapping/>
+  </p:clrMapOvr>
+</p:sld>
+</file>
+
+<file path=ppt/slides/slide5.xml><?xml version="1.0" encoding="utf-8"?>
+<p:sld xmlns:a="http://schemas.openxmlformats.org/drawingml/2006/main" xmlns:r="http://schemas.openxmlformats.org/officeDocument/2006/relationships" xmlns:p="http://schemas.openxmlformats.org/presentationml/2006/main">
+  <p:cSld>
+    <p:spTree>
+      <p:nvGrpSpPr>
+        <p:cNvPr id="1" name=""/>
+        <p:cNvGrpSpPr/>
+        <p:nvPr/>
+      </p:nvGrpSpPr>
+      <p:grpSpPr>
+        <a:xfrm>
+          <a:off x="0" y="0"/>
+          <a:ext cx="0" cy="0"/>
+          <a:chOff x="0" y="0"/>
+          <a:chExt cx="0" cy="0"/>
+        </a:xfrm>
+      </p:grpSpPr>
+      <p:sp>
+        <p:nvSpPr>
+          <p:cNvPr id="2" name="Titel 1"/>
+          <p:cNvSpPr>
+            <a:spLocks noGrp="1"/>
+          </p:cNvSpPr>
+          <p:nvPr>
+            <p:ph type="title"/>
+          </p:nvPr>
+        </p:nvSpPr>
+        <p:spPr/>
+        <p:txBody>
+          <a:bodyPr/>
+          <a:lstStyle/>
+          <a:p>
+            <a:r>
               <a:rPr lang="de-CH" dirty="0" smtClean="0"/>
               <a:t>Prototyp Aktion</a:t>
             </a:r>
@@ -6307,7 +6390,7 @@
 </p:sld>
 </file>
 
-<file path=ppt/slides/slide5.xml><?xml version="1.0" encoding="utf-8"?>
+<file path=ppt/slides/slide6.xml><?xml version="1.0" encoding="utf-8"?>
 <p:sld xmlns:a="http://schemas.openxmlformats.org/drawingml/2006/main" xmlns:r="http://schemas.openxmlformats.org/officeDocument/2006/relationships" xmlns:p="http://schemas.openxmlformats.org/presentationml/2006/main">
   <p:cSld>
     <p:spTree>

--- a/Smartcleaning.pptx
+++ b/Smartcleaning.pptx
@@ -9,8 +9,9 @@
     <p:sldId id="257" r:id="rId3"/>
     <p:sldId id="258" r:id="rId4"/>
     <p:sldId id="261" r:id="rId5"/>
-    <p:sldId id="259" r:id="rId6"/>
-    <p:sldId id="260" r:id="rId7"/>
+    <p:sldId id="262" r:id="rId6"/>
+    <p:sldId id="259" r:id="rId7"/>
+    <p:sldId id="260" r:id="rId8"/>
   </p:sldIdLst>
   <p:sldSz cx="12192000" cy="6858000"/>
   <p:notesSz cx="6858000" cy="9144000"/>
@@ -303,7 +304,7 @@
           <a:p>
             <a:fld id="{4AAD347D-5ACD-4C99-B74B-A9C85AD731AF}" type="datetimeFigureOut">
               <a:rPr lang="en-US" dirty="0"/>
-              <a:t>3/22/2019</a:t>
+              <a:t>3/23/2019</a:t>
             </a:fld>
             <a:endParaRPr lang="en-US" dirty="0"/>
           </a:p>
@@ -573,7 +574,7 @@
           <a:p>
             <a:fld id="{4509A250-FF31-4206-8172-F9D3106AACB1}" type="datetimeFigureOut">
               <a:rPr lang="en-US" dirty="0"/>
-              <a:t>3/22/2019</a:t>
+              <a:t>3/23/2019</a:t>
             </a:fld>
             <a:endParaRPr lang="en-US" dirty="0"/>
           </a:p>
@@ -762,7 +763,7 @@
           <a:p>
             <a:fld id="{4509A250-FF31-4206-8172-F9D3106AACB1}" type="datetimeFigureOut">
               <a:rPr lang="en-US" dirty="0"/>
-              <a:t>3/22/2019</a:t>
+              <a:t>3/23/2019</a:t>
             </a:fld>
             <a:endParaRPr lang="en-US" dirty="0"/>
           </a:p>
@@ -1030,7 +1031,7 @@
           <a:p>
             <a:fld id="{4509A250-FF31-4206-8172-F9D3106AACB1}" type="datetimeFigureOut">
               <a:rPr lang="en-US" dirty="0"/>
-              <a:t>3/22/2019</a:t>
+              <a:t>3/23/2019</a:t>
             </a:fld>
             <a:endParaRPr lang="en-US" dirty="0"/>
           </a:p>
@@ -1366,7 +1367,7 @@
           <a:p>
             <a:fld id="{4509A250-FF31-4206-8172-F9D3106AACB1}" type="datetimeFigureOut">
               <a:rPr lang="en-US" dirty="0"/>
-              <a:t>3/22/2019</a:t>
+              <a:t>3/23/2019</a:t>
             </a:fld>
             <a:endParaRPr lang="en-US" dirty="0"/>
           </a:p>
@@ -1984,7 +1985,7 @@
           <a:p>
             <a:fld id="{4509A250-FF31-4206-8172-F9D3106AACB1}" type="datetimeFigureOut">
               <a:rPr lang="en-US" dirty="0"/>
-              <a:t>3/22/2019</a:t>
+              <a:t>3/23/2019</a:t>
             </a:fld>
             <a:endParaRPr lang="en-US" dirty="0"/>
           </a:p>
@@ -2839,7 +2840,7 @@
           <a:p>
             <a:fld id="{4509A250-FF31-4206-8172-F9D3106AACB1}" type="datetimeFigureOut">
               <a:rPr lang="en-US" dirty="0"/>
-              <a:t>3/22/2019</a:t>
+              <a:t>3/23/2019</a:t>
             </a:fld>
             <a:endParaRPr lang="en-US" dirty="0"/>
           </a:p>
@@ -3004,7 +3005,7 @@
           <a:p>
             <a:fld id="{4509A250-FF31-4206-8172-F9D3106AACB1}" type="datetimeFigureOut">
               <a:rPr lang="en-US" dirty="0"/>
-              <a:t>3/22/2019</a:t>
+              <a:t>3/23/2019</a:t>
             </a:fld>
             <a:endParaRPr lang="en-US" dirty="0"/>
           </a:p>
@@ -3179,7 +3180,7 @@
           <a:p>
             <a:fld id="{4509A250-FF31-4206-8172-F9D3106AACB1}" type="datetimeFigureOut">
               <a:rPr lang="en-US" dirty="0"/>
-              <a:t>3/22/2019</a:t>
+              <a:t>3/23/2019</a:t>
             </a:fld>
             <a:endParaRPr lang="en-US" dirty="0"/>
           </a:p>
@@ -3344,7 +3345,7 @@
           <a:p>
             <a:fld id="{4509A250-FF31-4206-8172-F9D3106AACB1}" type="datetimeFigureOut">
               <a:rPr lang="en-US" dirty="0"/>
-              <a:t>3/22/2019</a:t>
+              <a:t>3/23/2019</a:t>
             </a:fld>
             <a:endParaRPr lang="en-US" dirty="0"/>
           </a:p>
@@ -3586,7 +3587,7 @@
           <a:p>
             <a:fld id="{9796027F-7875-4030-9381-8BD8C4F21935}" type="datetimeFigureOut">
               <a:rPr lang="en-US" dirty="0"/>
-              <a:t>3/22/2019</a:t>
+              <a:t>3/23/2019</a:t>
             </a:fld>
             <a:endParaRPr lang="en-US" dirty="0"/>
           </a:p>
@@ -3873,7 +3874,7 @@
           <a:p>
             <a:fld id="{9796027F-7875-4030-9381-8BD8C4F21935}" type="datetimeFigureOut">
               <a:rPr lang="en-US" dirty="0"/>
-              <a:t>3/22/2019</a:t>
+              <a:t>3/23/2019</a:t>
             </a:fld>
             <a:endParaRPr lang="en-US" dirty="0"/>
           </a:p>
@@ -4312,7 +4313,7 @@
           <a:p>
             <a:fld id="{9796027F-7875-4030-9381-8BD8C4F21935}" type="datetimeFigureOut">
               <a:rPr lang="en-US" dirty="0"/>
-              <a:t>3/22/2019</a:t>
+              <a:t>3/23/2019</a:t>
             </a:fld>
             <a:endParaRPr lang="en-US" dirty="0"/>
           </a:p>
@@ -4425,7 +4426,7 @@
           <a:p>
             <a:fld id="{4509A250-FF31-4206-8172-F9D3106AACB1}" type="datetimeFigureOut">
               <a:rPr lang="en-US" dirty="0"/>
-              <a:t>3/22/2019</a:t>
+              <a:t>3/23/2019</a:t>
             </a:fld>
             <a:endParaRPr lang="en-US" dirty="0"/>
           </a:p>
@@ -4515,7 +4516,7 @@
           <a:p>
             <a:fld id="{4509A250-FF31-4206-8172-F9D3106AACB1}" type="datetimeFigureOut">
               <a:rPr lang="en-US" dirty="0"/>
-              <a:t>3/22/2019</a:t>
+              <a:t>3/23/2019</a:t>
             </a:fld>
             <a:endParaRPr lang="en-US" dirty="0"/>
           </a:p>
@@ -4789,7 +4790,7 @@
           <a:p>
             <a:fld id="{4509A250-FF31-4206-8172-F9D3106AACB1}" type="datetimeFigureOut">
               <a:rPr lang="en-US" dirty="0"/>
-              <a:t>3/22/2019</a:t>
+              <a:t>3/23/2019</a:t>
             </a:fld>
             <a:endParaRPr lang="en-US" dirty="0"/>
           </a:p>
@@ -5059,7 +5060,7 @@
           <a:p>
             <a:fld id="{4509A250-FF31-4206-8172-F9D3106AACB1}" type="datetimeFigureOut">
               <a:rPr lang="en-US" dirty="0"/>
-              <a:t>3/22/2019</a:t>
+              <a:t>3/23/2019</a:t>
             </a:fld>
             <a:endParaRPr lang="en-US" dirty="0"/>
           </a:p>
@@ -5483,7 +5484,7 @@
           <a:p>
             <a:fld id="{4AAD347D-5ACD-4C99-B74B-A9C85AD731AF}" type="datetimeFigureOut">
               <a:rPr lang="en-US" dirty="0"/>
-              <a:t>3/22/2019</a:t>
+              <a:t>3/23/2019</a:t>
             </a:fld>
             <a:endParaRPr lang="en-US" dirty="0"/>
           </a:p>
@@ -6335,6 +6336,83 @@
           <a:p>
             <a:r>
               <a:rPr lang="de-CH" dirty="0" smtClean="0"/>
+              <a:t>Sprint 1</a:t>
+            </a:r>
+            <a:endParaRPr lang="de-CH" dirty="0"/>
+          </a:p>
+        </p:txBody>
+      </p:sp>
+      <p:pic>
+        <p:nvPicPr>
+          <p:cNvPr id="3" name="Grafik 2"/>
+          <p:cNvPicPr>
+            <a:picLocks noChangeAspect="1"/>
+          </p:cNvPicPr>
+          <p:nvPr/>
+        </p:nvPicPr>
+        <p:blipFill>
+          <a:blip r:embed="rId2"/>
+          <a:stretch>
+            <a:fillRect/>
+          </a:stretch>
+        </p:blipFill>
+        <p:spPr>
+          <a:xfrm>
+            <a:off x="750497" y="1853248"/>
+            <a:ext cx="8551653" cy="4327068"/>
+          </a:xfrm>
+          <a:prstGeom prst="rect">
+            <a:avLst/>
+          </a:prstGeom>
+        </p:spPr>
+      </p:pic>
+    </p:spTree>
+    <p:extLst>
+      <p:ext uri="{BB962C8B-B14F-4D97-AF65-F5344CB8AC3E}">
+        <p14:creationId xmlns:p14="http://schemas.microsoft.com/office/powerpoint/2010/main" val="3605879046"/>
+      </p:ext>
+    </p:extLst>
+  </p:cSld>
+  <p:clrMapOvr>
+    <a:masterClrMapping/>
+  </p:clrMapOvr>
+</p:sld>
+</file>
+
+<file path=ppt/slides/slide6.xml><?xml version="1.0" encoding="utf-8"?>
+<p:sld xmlns:a="http://schemas.openxmlformats.org/drawingml/2006/main" xmlns:r="http://schemas.openxmlformats.org/officeDocument/2006/relationships" xmlns:p="http://schemas.openxmlformats.org/presentationml/2006/main">
+  <p:cSld>
+    <p:spTree>
+      <p:nvGrpSpPr>
+        <p:cNvPr id="1" name=""/>
+        <p:cNvGrpSpPr/>
+        <p:nvPr/>
+      </p:nvGrpSpPr>
+      <p:grpSpPr>
+        <a:xfrm>
+          <a:off x="0" y="0"/>
+          <a:ext cx="0" cy="0"/>
+          <a:chOff x="0" y="0"/>
+          <a:chExt cx="0" cy="0"/>
+        </a:xfrm>
+      </p:grpSpPr>
+      <p:sp>
+        <p:nvSpPr>
+          <p:cNvPr id="2" name="Titel 1"/>
+          <p:cNvSpPr>
+            <a:spLocks noGrp="1"/>
+          </p:cNvSpPr>
+          <p:nvPr>
+            <p:ph type="title"/>
+          </p:nvPr>
+        </p:nvSpPr>
+        <p:spPr/>
+        <p:txBody>
+          <a:bodyPr/>
+          <a:lstStyle/>
+          <a:p>
+            <a:r>
+              <a:rPr lang="de-CH" dirty="0" smtClean="0"/>
               <a:t>Prototyp Aktion</a:t>
             </a:r>
             <a:endParaRPr lang="de-CH" dirty="0"/>
@@ -6390,7 +6468,7 @@
 </p:sld>
 </file>
 
-<file path=ppt/slides/slide6.xml><?xml version="1.0" encoding="utf-8"?>
+<file path=ppt/slides/slide7.xml><?xml version="1.0" encoding="utf-8"?>
 <p:sld xmlns:a="http://schemas.openxmlformats.org/drawingml/2006/main" xmlns:r="http://schemas.openxmlformats.org/officeDocument/2006/relationships" xmlns:p="http://schemas.openxmlformats.org/presentationml/2006/main">
   <p:cSld>
     <p:spTree>

--- a/Smartcleaning.pptx
+++ b/Smartcleaning.pptx
@@ -10,8 +10,11 @@
     <p:sldId id="258" r:id="rId4"/>
     <p:sldId id="261" r:id="rId5"/>
     <p:sldId id="262" r:id="rId6"/>
-    <p:sldId id="259" r:id="rId7"/>
-    <p:sldId id="260" r:id="rId8"/>
+    <p:sldId id="264" r:id="rId7"/>
+    <p:sldId id="263" r:id="rId8"/>
+    <p:sldId id="265" r:id="rId9"/>
+    <p:sldId id="259" r:id="rId10"/>
+    <p:sldId id="260" r:id="rId11"/>
   </p:sldIdLst>
   <p:sldSz cx="12192000" cy="6858000"/>
   <p:notesSz cx="6858000" cy="9144000"/>
@@ -6067,6 +6070,197 @@
 </p:sld>
 </file>
 
+<file path=ppt/slides/slide10.xml><?xml version="1.0" encoding="utf-8"?>
+<p:sld xmlns:a="http://schemas.openxmlformats.org/drawingml/2006/main" xmlns:r="http://schemas.openxmlformats.org/officeDocument/2006/relationships" xmlns:p="http://schemas.openxmlformats.org/presentationml/2006/main">
+  <p:cSld>
+    <p:spTree>
+      <p:nvGrpSpPr>
+        <p:cNvPr id="1" name=""/>
+        <p:cNvGrpSpPr/>
+        <p:nvPr/>
+      </p:nvGrpSpPr>
+      <p:grpSpPr>
+        <a:xfrm>
+          <a:off x="0" y="0"/>
+          <a:ext cx="0" cy="0"/>
+          <a:chOff x="0" y="0"/>
+          <a:chExt cx="0" cy="0"/>
+        </a:xfrm>
+      </p:grpSpPr>
+      <p:sp>
+        <p:nvSpPr>
+          <p:cNvPr id="2" name="Titel 1"/>
+          <p:cNvSpPr>
+            <a:spLocks noGrp="1"/>
+          </p:cNvSpPr>
+          <p:nvPr>
+            <p:ph type="title"/>
+          </p:nvPr>
+        </p:nvSpPr>
+        <p:spPr/>
+        <p:txBody>
+          <a:bodyPr/>
+          <a:lstStyle/>
+          <a:p>
+            <a:r>
+              <a:rPr lang="de-CH" dirty="0" smtClean="0"/>
+              <a:t>Erfahrungen</a:t>
+            </a:r>
+            <a:endParaRPr lang="de-CH" dirty="0"/>
+          </a:p>
+        </p:txBody>
+      </p:sp>
+      <p:sp>
+        <p:nvSpPr>
+          <p:cNvPr id="3" name="Inhaltsplatzhalter 2"/>
+          <p:cNvSpPr>
+            <a:spLocks noGrp="1"/>
+          </p:cNvSpPr>
+          <p:nvPr>
+            <p:ph idx="1"/>
+          </p:nvPr>
+        </p:nvSpPr>
+        <p:spPr/>
+        <p:txBody>
+          <a:bodyPr>
+            <a:normAutofit lnSpcReduction="10000"/>
+          </a:bodyPr>
+          <a:lstStyle/>
+          <a:p>
+            <a:pPr>
+              <a:buFont typeface="Wingdings 2" panose="05020102010507070707" pitchFamily="18" charset="2"/>
+              <a:buChar char=""/>
+            </a:pPr>
+            <a:r>
+              <a:rPr lang="de-CH" dirty="0" smtClean="0"/>
+              <a:t>Zusammenarbeit</a:t>
+            </a:r>
+          </a:p>
+          <a:p>
+            <a:pPr>
+              <a:buFont typeface="Wingdings 2" panose="05020102010507070707" pitchFamily="18" charset="2"/>
+              <a:buChar char=""/>
+            </a:pPr>
+            <a:r>
+              <a:rPr lang="de-CH" dirty="0" smtClean="0"/>
+              <a:t>Paralleles Arbeiten</a:t>
+            </a:r>
+          </a:p>
+          <a:p>
+            <a:pPr>
+              <a:buFont typeface="Wingdings 2" panose="05020102010507070707" pitchFamily="18" charset="2"/>
+              <a:buChar char=""/>
+            </a:pPr>
+            <a:r>
+              <a:rPr lang="de-CH" dirty="0" smtClean="0"/>
+              <a:t>Erfolge direkt sichtbar</a:t>
+            </a:r>
+          </a:p>
+          <a:p>
+            <a:pPr>
+              <a:buFont typeface="Wingdings 2" panose="05020102010507070707" pitchFamily="18" charset="2"/>
+              <a:buChar char=""/>
+            </a:pPr>
+            <a:r>
+              <a:rPr lang="de-CH" dirty="0" smtClean="0"/>
+              <a:t>Integration in </a:t>
+            </a:r>
+            <a:r>
+              <a:rPr lang="de-CH" dirty="0" err="1" smtClean="0"/>
+              <a:t>Heroku</a:t>
+            </a:r>
+            <a:endParaRPr lang="de-CH" dirty="0" smtClean="0"/>
+          </a:p>
+          <a:p>
+            <a:pPr>
+              <a:buFont typeface="Wingdings 2" panose="05020102010507070707" pitchFamily="18" charset="2"/>
+              <a:buChar char=""/>
+            </a:pPr>
+            <a:r>
+              <a:rPr lang="de-CH" dirty="0" smtClean="0"/>
+              <a:t>Rollback Funktion in </a:t>
+            </a:r>
+            <a:r>
+              <a:rPr lang="de-CH" dirty="0" err="1" smtClean="0"/>
+              <a:t>Heroku</a:t>
+            </a:r>
+            <a:endParaRPr lang="de-CH" dirty="0" smtClean="0"/>
+          </a:p>
+          <a:p>
+            <a:pPr>
+              <a:buFont typeface="Wingdings 2" panose="05020102010507070707" pitchFamily="18" charset="2"/>
+              <a:buChar char=""/>
+            </a:pPr>
+            <a:endParaRPr lang="de-CH" dirty="0"/>
+          </a:p>
+          <a:p>
+            <a:pPr>
+              <a:buFont typeface="Symbol" panose="05050102010706020507" pitchFamily="18" charset="2"/>
+              <a:buChar char="-"/>
+            </a:pPr>
+            <a:r>
+              <a:rPr lang="de-CH" dirty="0" smtClean="0"/>
+              <a:t>Fehler nicht immer klar</a:t>
+            </a:r>
+          </a:p>
+          <a:p>
+            <a:pPr>
+              <a:buFont typeface="Symbol" panose="05050102010706020507" pitchFamily="18" charset="2"/>
+              <a:buChar char="-"/>
+            </a:pPr>
+            <a:r>
+              <a:rPr lang="de-CH" dirty="0" err="1" smtClean="0"/>
+              <a:t>Github</a:t>
+            </a:r>
+            <a:r>
+              <a:rPr lang="de-CH" dirty="0" smtClean="0"/>
+              <a:t> sehr technisch, nicht sehr benutzerfreundlich</a:t>
+            </a:r>
+          </a:p>
+          <a:p>
+            <a:pPr>
+              <a:buFont typeface="Symbol" panose="05050102010706020507" pitchFamily="18" charset="2"/>
+              <a:buChar char="-"/>
+            </a:pPr>
+            <a:r>
+              <a:rPr lang="de-CH" dirty="0" smtClean="0"/>
+              <a:t>Sprintplanung fehlt</a:t>
+            </a:r>
+          </a:p>
+          <a:p>
+            <a:pPr>
+              <a:buFont typeface="Symbol" panose="05050102010706020507" pitchFamily="18" charset="2"/>
+              <a:buChar char="-"/>
+            </a:pPr>
+            <a:r>
+              <a:rPr lang="de-CH" dirty="0" smtClean="0"/>
+              <a:t>Hierarchie in </a:t>
+            </a:r>
+            <a:r>
+              <a:rPr lang="de-CH" dirty="0" err="1" smtClean="0"/>
+              <a:t>Github</a:t>
+            </a:r>
+            <a:r>
+              <a:rPr lang="de-CH" dirty="0" smtClean="0"/>
+              <a:t> beschränkt</a:t>
+            </a:r>
+            <a:endParaRPr lang="de-CH" dirty="0"/>
+          </a:p>
+        </p:txBody>
+      </p:sp>
+    </p:spTree>
+    <p:extLst>
+      <p:ext uri="{BB962C8B-B14F-4D97-AF65-F5344CB8AC3E}">
+        <p14:creationId xmlns:p14="http://schemas.microsoft.com/office/powerpoint/2010/main" val="594746078"/>
+      </p:ext>
+    </p:extLst>
+  </p:cSld>
+  <p:clrMapOvr>
+    <a:masterClrMapping/>
+  </p:clrMapOvr>
+</p:sld>
+</file>
+
 <file path=ppt/slides/slide2.xml><?xml version="1.0" encoding="utf-8"?>
 <p:sld xmlns:a="http://schemas.openxmlformats.org/drawingml/2006/main" xmlns:r="http://schemas.openxmlformats.org/officeDocument/2006/relationships" xmlns:p="http://schemas.openxmlformats.org/presentationml/2006/main">
   <p:cSld>
@@ -6413,52 +6607,48 @@
           <a:p>
             <a:r>
               <a:rPr lang="de-CH" dirty="0" smtClean="0"/>
-              <a:t>Prototyp Aktion</a:t>
+              <a:t>Sprint </a:t>
+            </a:r>
+            <a:r>
+              <a:rPr lang="de-CH" dirty="0" smtClean="0"/>
+              <a:t>1 - </a:t>
+            </a:r>
+            <a:r>
+              <a:rPr lang="de-CH" dirty="0" err="1" smtClean="0"/>
+              <a:t>Burndown</a:t>
             </a:r>
             <a:endParaRPr lang="de-CH" dirty="0"/>
           </a:p>
         </p:txBody>
       </p:sp>
-      <p:sp>
-        <p:nvSpPr>
-          <p:cNvPr id="3" name="Inhaltsplatzhalter 2"/>
-          <p:cNvSpPr>
-            <a:spLocks noGrp="1"/>
-          </p:cNvSpPr>
-          <p:nvPr>
-            <p:ph idx="1"/>
-          </p:nvPr>
-        </p:nvSpPr>
-        <p:spPr/>
-        <p:txBody>
-          <a:bodyPr/>
-          <a:lstStyle/>
-          <a:p>
-            <a:r>
-              <a:rPr lang="de-CH" dirty="0" smtClean="0"/>
-              <a:t>Live Demo</a:t>
-            </a:r>
-            <a:br>
-              <a:rPr lang="de-CH" dirty="0" smtClean="0"/>
-            </a:br>
-            <a:r>
-              <a:rPr lang="de-CH" dirty="0" smtClean="0">
-                <a:hlinkClick r:id="rId2"/>
-              </a:rPr>
-              <a:t>https://smartcleaning.herokuapp.com/</a:t>
-            </a:r>
-            <a:r>
-              <a:rPr lang="de-CH" dirty="0" smtClean="0"/>
-              <a:t> </a:t>
-            </a:r>
-            <a:endParaRPr lang="de-CH" dirty="0"/>
-          </a:p>
-        </p:txBody>
-      </p:sp>
+      <p:pic>
+        <p:nvPicPr>
+          <p:cNvPr id="3" name="Grafik 2"/>
+          <p:cNvPicPr>
+            <a:picLocks noChangeAspect="1"/>
+          </p:cNvPicPr>
+          <p:nvPr/>
+        </p:nvPicPr>
+        <p:blipFill>
+          <a:blip r:embed="rId2"/>
+          <a:stretch>
+            <a:fillRect/>
+          </a:stretch>
+        </p:blipFill>
+        <p:spPr>
+          <a:xfrm>
+            <a:off x="776376" y="1587034"/>
+            <a:ext cx="8767313" cy="4771327"/>
+          </a:xfrm>
+          <a:prstGeom prst="rect">
+            <a:avLst/>
+          </a:prstGeom>
+        </p:spPr>
+      </p:pic>
     </p:spTree>
     <p:extLst>
       <p:ext uri="{BB962C8B-B14F-4D97-AF65-F5344CB8AC3E}">
-        <p14:creationId xmlns:p14="http://schemas.microsoft.com/office/powerpoint/2010/main" val="3492247949"/>
+        <p14:creationId xmlns:p14="http://schemas.microsoft.com/office/powerpoint/2010/main" val="903129898"/>
       </p:ext>
     </p:extLst>
   </p:cSld>
@@ -6502,154 +6692,218 @@
           <a:p>
             <a:r>
               <a:rPr lang="de-CH" dirty="0" smtClean="0"/>
-              <a:t>Erfahrungen</a:t>
+              <a:t>Sprint </a:t>
+            </a:r>
+            <a:r>
+              <a:rPr lang="de-CH" dirty="0"/>
+              <a:t>2</a:t>
+            </a:r>
+            <a:r>
+              <a:rPr lang="de-CH" dirty="0" smtClean="0"/>
+              <a:t> - </a:t>
+            </a:r>
+            <a:r>
+              <a:rPr lang="de-CH" dirty="0" err="1" smtClean="0"/>
+              <a:t>Burndown</a:t>
             </a:r>
             <a:endParaRPr lang="de-CH" dirty="0"/>
           </a:p>
         </p:txBody>
       </p:sp>
-      <p:sp>
-        <p:nvSpPr>
-          <p:cNvPr id="3" name="Inhaltsplatzhalter 2"/>
-          <p:cNvSpPr>
-            <a:spLocks noGrp="1"/>
-          </p:cNvSpPr>
-          <p:nvPr>
-            <p:ph idx="1"/>
-          </p:nvPr>
-        </p:nvSpPr>
-        <p:spPr/>
-        <p:txBody>
-          <a:bodyPr>
-            <a:normAutofit lnSpcReduction="10000"/>
-          </a:bodyPr>
-          <a:lstStyle/>
-          <a:p>
-            <a:pPr>
-              <a:buFont typeface="Wingdings 2" panose="05020102010507070707" pitchFamily="18" charset="2"/>
-              <a:buChar char=""/>
-            </a:pPr>
-            <a:r>
-              <a:rPr lang="de-CH" dirty="0" smtClean="0"/>
-              <a:t>Zusammenarbeit</a:t>
-            </a:r>
-          </a:p>
-          <a:p>
-            <a:pPr>
-              <a:buFont typeface="Wingdings 2" panose="05020102010507070707" pitchFamily="18" charset="2"/>
-              <a:buChar char=""/>
-            </a:pPr>
-            <a:r>
-              <a:rPr lang="de-CH" dirty="0" smtClean="0"/>
-              <a:t>Paralleles Arbeiten</a:t>
-            </a:r>
-          </a:p>
-          <a:p>
-            <a:pPr>
-              <a:buFont typeface="Wingdings 2" panose="05020102010507070707" pitchFamily="18" charset="2"/>
-              <a:buChar char=""/>
-            </a:pPr>
-            <a:r>
-              <a:rPr lang="de-CH" dirty="0" smtClean="0"/>
-              <a:t>Erfolge direkt sichtbar</a:t>
-            </a:r>
-          </a:p>
-          <a:p>
-            <a:pPr>
-              <a:buFont typeface="Wingdings 2" panose="05020102010507070707" pitchFamily="18" charset="2"/>
-              <a:buChar char=""/>
-            </a:pPr>
-            <a:r>
-              <a:rPr lang="de-CH" dirty="0" smtClean="0"/>
-              <a:t>Integration in </a:t>
-            </a:r>
-            <a:r>
-              <a:rPr lang="de-CH" dirty="0" err="1" smtClean="0"/>
-              <a:t>Heroku</a:t>
-            </a:r>
-            <a:endParaRPr lang="de-CH" dirty="0" smtClean="0"/>
-          </a:p>
-          <a:p>
-            <a:pPr>
-              <a:buFont typeface="Wingdings 2" panose="05020102010507070707" pitchFamily="18" charset="2"/>
-              <a:buChar char=""/>
-            </a:pPr>
-            <a:r>
-              <a:rPr lang="de-CH" dirty="0" smtClean="0"/>
-              <a:t>Rollback Funktion in </a:t>
-            </a:r>
-            <a:r>
-              <a:rPr lang="de-CH" dirty="0" err="1" smtClean="0"/>
-              <a:t>Heroku</a:t>
-            </a:r>
-            <a:endParaRPr lang="de-CH" dirty="0" smtClean="0"/>
-          </a:p>
-          <a:p>
-            <a:pPr>
-              <a:buFont typeface="Wingdings 2" panose="05020102010507070707" pitchFamily="18" charset="2"/>
-              <a:buChar char=""/>
-            </a:pPr>
-            <a:endParaRPr lang="de-CH" dirty="0"/>
-          </a:p>
-          <a:p>
-            <a:pPr>
-              <a:buFont typeface="Symbol" panose="05050102010706020507" pitchFamily="18" charset="2"/>
-              <a:buChar char="-"/>
-            </a:pPr>
-            <a:r>
-              <a:rPr lang="de-CH" dirty="0" smtClean="0"/>
-              <a:t>Fehler nicht immer klar</a:t>
-            </a:r>
-          </a:p>
-          <a:p>
-            <a:pPr>
-              <a:buFont typeface="Symbol" panose="05050102010706020507" pitchFamily="18" charset="2"/>
-              <a:buChar char="-"/>
-            </a:pPr>
-            <a:r>
-              <a:rPr lang="de-CH" dirty="0" err="1" smtClean="0"/>
-              <a:t>Github</a:t>
-            </a:r>
-            <a:r>
-              <a:rPr lang="de-CH" dirty="0" smtClean="0"/>
-              <a:t> sehr technisch, nicht sehr benutzerfreundlich</a:t>
-            </a:r>
-          </a:p>
-          <a:p>
-            <a:pPr>
-              <a:buFont typeface="Symbol" panose="05050102010706020507" pitchFamily="18" charset="2"/>
-              <a:buChar char="-"/>
-            </a:pPr>
-            <a:r>
-              <a:rPr lang="de-CH" dirty="0" smtClean="0"/>
-              <a:t>Sprintplanung fehlt</a:t>
-            </a:r>
-          </a:p>
-          <a:p>
-            <a:pPr>
-              <a:buFont typeface="Symbol" panose="05050102010706020507" pitchFamily="18" charset="2"/>
-              <a:buChar char="-"/>
-            </a:pPr>
-            <a:r>
-              <a:rPr lang="de-CH" dirty="0" smtClean="0"/>
-              <a:t>Hierarchie in </a:t>
-            </a:r>
-            <a:r>
-              <a:rPr lang="de-CH" dirty="0" err="1" smtClean="0"/>
-              <a:t>Github</a:t>
-            </a:r>
-            <a:r>
-              <a:rPr lang="de-CH" dirty="0" smtClean="0"/>
-              <a:t> beschränkt</a:t>
-            </a:r>
-            <a:endParaRPr lang="de-CH" dirty="0"/>
-          </a:p>
-        </p:txBody>
-      </p:sp>
+      <p:pic>
+        <p:nvPicPr>
+          <p:cNvPr id="5" name="Grafik 4"/>
+          <p:cNvPicPr>
+            <a:picLocks noChangeAspect="1"/>
+          </p:cNvPicPr>
+          <p:nvPr/>
+        </p:nvPicPr>
+        <p:blipFill>
+          <a:blip r:embed="rId2"/>
+          <a:stretch>
+            <a:fillRect/>
+          </a:stretch>
+        </p:blipFill>
+        <p:spPr>
+          <a:xfrm>
+            <a:off x="759124" y="1589932"/>
+            <a:ext cx="8844951" cy="4696062"/>
+          </a:xfrm>
+          <a:prstGeom prst="rect">
+            <a:avLst/>
+          </a:prstGeom>
+        </p:spPr>
+      </p:pic>
     </p:spTree>
     <p:extLst>
       <p:ext uri="{BB962C8B-B14F-4D97-AF65-F5344CB8AC3E}">
-        <p14:creationId xmlns:p14="http://schemas.microsoft.com/office/powerpoint/2010/main" val="594746078"/>
+        <p14:creationId xmlns:p14="http://schemas.microsoft.com/office/powerpoint/2010/main" val="856375899"/>
+      </p:ext>
+    </p:extLst>
+  </p:cSld>
+  <p:clrMapOvr>
+    <a:masterClrMapping/>
+  </p:clrMapOvr>
+</p:sld>
+</file>
+
+<file path=ppt/slides/slide8.xml><?xml version="1.0" encoding="utf-8"?>
+<p:sld xmlns:a="http://schemas.openxmlformats.org/drawingml/2006/main" xmlns:r="http://schemas.openxmlformats.org/officeDocument/2006/relationships" xmlns:p="http://schemas.openxmlformats.org/presentationml/2006/main">
+  <p:cSld>
+    <p:spTree>
+      <p:nvGrpSpPr>
+        <p:cNvPr id="1" name=""/>
+        <p:cNvGrpSpPr/>
+        <p:nvPr/>
+      </p:nvGrpSpPr>
+      <p:grpSpPr>
+        <a:xfrm>
+          <a:off x="0" y="0"/>
+          <a:ext cx="0" cy="0"/>
+          <a:chOff x="0" y="0"/>
+          <a:chExt cx="0" cy="0"/>
+        </a:xfrm>
+      </p:grpSpPr>
+      <p:sp>
+        <p:nvSpPr>
+          <p:cNvPr id="2" name="Titel 1"/>
+          <p:cNvSpPr>
+            <a:spLocks noGrp="1"/>
+          </p:cNvSpPr>
+          <p:nvPr>
+            <p:ph type="title"/>
+          </p:nvPr>
+        </p:nvSpPr>
+        <p:spPr/>
+        <p:txBody>
+          <a:bodyPr/>
+          <a:lstStyle/>
+          <a:p>
+            <a:r>
+              <a:rPr lang="de-CH" dirty="0" smtClean="0"/>
+              <a:t>Kumuliertes Flussdiagramm</a:t>
+            </a:r>
+            <a:endParaRPr lang="de-CH" dirty="0"/>
+          </a:p>
+        </p:txBody>
+      </p:sp>
+      <p:pic>
+        <p:nvPicPr>
+          <p:cNvPr id="3" name="Grafik 2"/>
+          <p:cNvPicPr>
+            <a:picLocks noChangeAspect="1"/>
+          </p:cNvPicPr>
+          <p:nvPr/>
+        </p:nvPicPr>
+        <p:blipFill>
+          <a:blip r:embed="rId2"/>
+          <a:stretch>
+            <a:fillRect/>
+          </a:stretch>
+        </p:blipFill>
+        <p:spPr>
+          <a:xfrm>
+            <a:off x="767750" y="1705825"/>
+            <a:ext cx="8819072" cy="4463238"/>
+          </a:xfrm>
+          <a:prstGeom prst="rect">
+            <a:avLst/>
+          </a:prstGeom>
+        </p:spPr>
+      </p:pic>
+    </p:spTree>
+    <p:extLst>
+      <p:ext uri="{BB962C8B-B14F-4D97-AF65-F5344CB8AC3E}">
+        <p14:creationId xmlns:p14="http://schemas.microsoft.com/office/powerpoint/2010/main" val="3038206785"/>
+      </p:ext>
+    </p:extLst>
+  </p:cSld>
+  <p:clrMapOvr>
+    <a:masterClrMapping/>
+  </p:clrMapOvr>
+</p:sld>
+</file>
+
+<file path=ppt/slides/slide9.xml><?xml version="1.0" encoding="utf-8"?>
+<p:sld xmlns:a="http://schemas.openxmlformats.org/drawingml/2006/main" xmlns:r="http://schemas.openxmlformats.org/officeDocument/2006/relationships" xmlns:p="http://schemas.openxmlformats.org/presentationml/2006/main">
+  <p:cSld>
+    <p:spTree>
+      <p:nvGrpSpPr>
+        <p:cNvPr id="1" name=""/>
+        <p:cNvGrpSpPr/>
+        <p:nvPr/>
+      </p:nvGrpSpPr>
+      <p:grpSpPr>
+        <a:xfrm>
+          <a:off x="0" y="0"/>
+          <a:ext cx="0" cy="0"/>
+          <a:chOff x="0" y="0"/>
+          <a:chExt cx="0" cy="0"/>
+        </a:xfrm>
+      </p:grpSpPr>
+      <p:sp>
+        <p:nvSpPr>
+          <p:cNvPr id="2" name="Titel 1"/>
+          <p:cNvSpPr>
+            <a:spLocks noGrp="1"/>
+          </p:cNvSpPr>
+          <p:nvPr>
+            <p:ph type="title"/>
+          </p:nvPr>
+        </p:nvSpPr>
+        <p:spPr/>
+        <p:txBody>
+          <a:bodyPr/>
+          <a:lstStyle/>
+          <a:p>
+            <a:r>
+              <a:rPr lang="de-CH" dirty="0" smtClean="0"/>
+              <a:t>Prototyp Aktion</a:t>
+            </a:r>
+            <a:endParaRPr lang="de-CH" dirty="0"/>
+          </a:p>
+        </p:txBody>
+      </p:sp>
+      <p:sp>
+        <p:nvSpPr>
+          <p:cNvPr id="3" name="Inhaltsplatzhalter 2"/>
+          <p:cNvSpPr>
+            <a:spLocks noGrp="1"/>
+          </p:cNvSpPr>
+          <p:nvPr>
+            <p:ph idx="1"/>
+          </p:nvPr>
+        </p:nvSpPr>
+        <p:spPr/>
+        <p:txBody>
+          <a:bodyPr/>
+          <a:lstStyle/>
+          <a:p>
+            <a:r>
+              <a:rPr lang="de-CH" dirty="0" smtClean="0"/>
+              <a:t>Live Demo</a:t>
+            </a:r>
+            <a:br>
+              <a:rPr lang="de-CH" dirty="0" smtClean="0"/>
+            </a:br>
+            <a:r>
+              <a:rPr lang="de-CH" dirty="0" smtClean="0">
+                <a:hlinkClick r:id="rId2"/>
+              </a:rPr>
+              <a:t>https://smartcleaning.herokuapp.com/</a:t>
+            </a:r>
+            <a:r>
+              <a:rPr lang="de-CH" dirty="0" smtClean="0"/>
+              <a:t> </a:t>
+            </a:r>
+            <a:endParaRPr lang="de-CH" dirty="0"/>
+          </a:p>
+        </p:txBody>
+      </p:sp>
+    </p:spTree>
+    <p:extLst>
+      <p:ext uri="{BB962C8B-B14F-4D97-AF65-F5344CB8AC3E}">
+        <p14:creationId xmlns:p14="http://schemas.microsoft.com/office/powerpoint/2010/main" val="3492247949"/>
       </p:ext>
     </p:extLst>
   </p:cSld>

--- a/Smartcleaning.pptx
+++ b/Smartcleaning.pptx
@@ -12,9 +12,12 @@
     <p:sldId id="262" r:id="rId6"/>
     <p:sldId id="264" r:id="rId7"/>
     <p:sldId id="263" r:id="rId8"/>
-    <p:sldId id="265" r:id="rId9"/>
-    <p:sldId id="259" r:id="rId10"/>
-    <p:sldId id="260" r:id="rId11"/>
+    <p:sldId id="266" r:id="rId9"/>
+    <p:sldId id="265" r:id="rId10"/>
+    <p:sldId id="267" r:id="rId11"/>
+    <p:sldId id="259" r:id="rId12"/>
+    <p:sldId id="260" r:id="rId13"/>
+    <p:sldId id="268" r:id="rId14"/>
   </p:sldIdLst>
   <p:sldSz cx="12192000" cy="6858000"/>
   <p:notesSz cx="6858000" cy="9144000"/>
@@ -6104,7 +6107,173 @@
           <a:p>
             <a:r>
               <a:rPr lang="de-CH" dirty="0" smtClean="0"/>
-              <a:t>Erfahrungen</a:t>
+              <a:t>Kumuliertes Flussdiagramm</a:t>
+            </a:r>
+            <a:endParaRPr lang="de-CH" dirty="0"/>
+          </a:p>
+        </p:txBody>
+      </p:sp>
+      <p:pic>
+        <p:nvPicPr>
+          <p:cNvPr id="3" name="Grafik 2"/>
+          <p:cNvPicPr>
+            <a:picLocks noChangeAspect="1"/>
+          </p:cNvPicPr>
+          <p:nvPr/>
+        </p:nvPicPr>
+        <p:blipFill>
+          <a:blip r:embed="rId2"/>
+          <a:stretch>
+            <a:fillRect/>
+          </a:stretch>
+        </p:blipFill>
+        <p:spPr>
+          <a:xfrm>
+            <a:off x="793630" y="1654656"/>
+            <a:ext cx="8948468" cy="4537935"/>
+          </a:xfrm>
+          <a:prstGeom prst="rect">
+            <a:avLst/>
+          </a:prstGeom>
+        </p:spPr>
+      </p:pic>
+    </p:spTree>
+    <p:extLst>
+      <p:ext uri="{BB962C8B-B14F-4D97-AF65-F5344CB8AC3E}">
+        <p14:creationId xmlns:p14="http://schemas.microsoft.com/office/powerpoint/2010/main" val="3682779322"/>
+      </p:ext>
+    </p:extLst>
+  </p:cSld>
+  <p:clrMapOvr>
+    <a:masterClrMapping/>
+  </p:clrMapOvr>
+</p:sld>
+</file>
+
+<file path=ppt/slides/slide11.xml><?xml version="1.0" encoding="utf-8"?>
+<p:sld xmlns:a="http://schemas.openxmlformats.org/drawingml/2006/main" xmlns:r="http://schemas.openxmlformats.org/officeDocument/2006/relationships" xmlns:p="http://schemas.openxmlformats.org/presentationml/2006/main">
+  <p:cSld>
+    <p:spTree>
+      <p:nvGrpSpPr>
+        <p:cNvPr id="1" name=""/>
+        <p:cNvGrpSpPr/>
+        <p:nvPr/>
+      </p:nvGrpSpPr>
+      <p:grpSpPr>
+        <a:xfrm>
+          <a:off x="0" y="0"/>
+          <a:ext cx="0" cy="0"/>
+          <a:chOff x="0" y="0"/>
+          <a:chExt cx="0" cy="0"/>
+        </a:xfrm>
+      </p:grpSpPr>
+      <p:sp>
+        <p:nvSpPr>
+          <p:cNvPr id="2" name="Titel 1"/>
+          <p:cNvSpPr>
+            <a:spLocks noGrp="1"/>
+          </p:cNvSpPr>
+          <p:nvPr>
+            <p:ph type="title"/>
+          </p:nvPr>
+        </p:nvSpPr>
+        <p:spPr/>
+        <p:txBody>
+          <a:bodyPr/>
+          <a:lstStyle/>
+          <a:p>
+            <a:r>
+              <a:rPr lang="de-CH" dirty="0" smtClean="0"/>
+              <a:t>Prototyp Aktion</a:t>
+            </a:r>
+            <a:endParaRPr lang="de-CH" dirty="0"/>
+          </a:p>
+        </p:txBody>
+      </p:sp>
+      <p:sp>
+        <p:nvSpPr>
+          <p:cNvPr id="3" name="Inhaltsplatzhalter 2"/>
+          <p:cNvSpPr>
+            <a:spLocks noGrp="1"/>
+          </p:cNvSpPr>
+          <p:nvPr>
+            <p:ph idx="1"/>
+          </p:nvPr>
+        </p:nvSpPr>
+        <p:spPr/>
+        <p:txBody>
+          <a:bodyPr/>
+          <a:lstStyle/>
+          <a:p>
+            <a:r>
+              <a:rPr lang="de-CH" dirty="0" smtClean="0"/>
+              <a:t>Live Demo</a:t>
+            </a:r>
+            <a:br>
+              <a:rPr lang="de-CH" dirty="0" smtClean="0"/>
+            </a:br>
+            <a:r>
+              <a:rPr lang="de-CH" dirty="0" smtClean="0">
+                <a:hlinkClick r:id="rId2"/>
+              </a:rPr>
+              <a:t>https://smartcleaning.herokuapp.com/</a:t>
+            </a:r>
+            <a:r>
+              <a:rPr lang="de-CH" dirty="0" smtClean="0"/>
+              <a:t> </a:t>
+            </a:r>
+            <a:endParaRPr lang="de-CH" dirty="0"/>
+          </a:p>
+        </p:txBody>
+      </p:sp>
+    </p:spTree>
+    <p:extLst>
+      <p:ext uri="{BB962C8B-B14F-4D97-AF65-F5344CB8AC3E}">
+        <p14:creationId xmlns:p14="http://schemas.microsoft.com/office/powerpoint/2010/main" val="3492247949"/>
+      </p:ext>
+    </p:extLst>
+  </p:cSld>
+  <p:clrMapOvr>
+    <a:masterClrMapping/>
+  </p:clrMapOvr>
+</p:sld>
+</file>
+
+<file path=ppt/slides/slide12.xml><?xml version="1.0" encoding="utf-8"?>
+<p:sld xmlns:a="http://schemas.openxmlformats.org/drawingml/2006/main" xmlns:r="http://schemas.openxmlformats.org/officeDocument/2006/relationships" xmlns:p="http://schemas.openxmlformats.org/presentationml/2006/main" show="0">
+  <p:cSld>
+    <p:spTree>
+      <p:nvGrpSpPr>
+        <p:cNvPr id="1" name=""/>
+        <p:cNvGrpSpPr/>
+        <p:nvPr/>
+      </p:nvGrpSpPr>
+      <p:grpSpPr>
+        <a:xfrm>
+          <a:off x="0" y="0"/>
+          <a:ext cx="0" cy="0"/>
+          <a:chOff x="0" y="0"/>
+          <a:chExt cx="0" cy="0"/>
+        </a:xfrm>
+      </p:grpSpPr>
+      <p:sp>
+        <p:nvSpPr>
+          <p:cNvPr id="2" name="Titel 1"/>
+          <p:cNvSpPr>
+            <a:spLocks noGrp="1"/>
+          </p:cNvSpPr>
+          <p:nvPr>
+            <p:ph type="title"/>
+          </p:nvPr>
+        </p:nvSpPr>
+        <p:spPr/>
+        <p:txBody>
+          <a:bodyPr/>
+          <a:lstStyle/>
+          <a:p>
+            <a:r>
+              <a:rPr lang="de-CH" dirty="0" smtClean="0"/>
+              <a:t>Erfahrungen Runde 1</a:t>
             </a:r>
             <a:endParaRPr lang="de-CH" dirty="0"/>
           </a:p>
@@ -6258,11 +6427,193 @@
   <p:clrMapOvr>
     <a:masterClrMapping/>
   </p:clrMapOvr>
+  <mc:AlternateContent xmlns:mc="http://schemas.openxmlformats.org/markup-compatibility/2006">
+    <mc:Choice xmlns:p14="http://schemas.microsoft.com/office/powerpoint/2010/main" Requires="p14">
+      <p:transition spd="slow" p14:dur="2000"/>
+    </mc:Choice>
+    <mc:Fallback>
+      <p:transition spd="slow"/>
+    </mc:Fallback>
+  </mc:AlternateContent>
+</p:sld>
+</file>
+
+<file path=ppt/slides/slide13.xml><?xml version="1.0" encoding="utf-8"?>
+<p:sld xmlns:a="http://schemas.openxmlformats.org/drawingml/2006/main" xmlns:r="http://schemas.openxmlformats.org/officeDocument/2006/relationships" xmlns:p="http://schemas.openxmlformats.org/presentationml/2006/main">
+  <p:cSld>
+    <p:spTree>
+      <p:nvGrpSpPr>
+        <p:cNvPr id="1" name=""/>
+        <p:cNvGrpSpPr/>
+        <p:nvPr/>
+      </p:nvGrpSpPr>
+      <p:grpSpPr>
+        <a:xfrm>
+          <a:off x="0" y="0"/>
+          <a:ext cx="0" cy="0"/>
+          <a:chOff x="0" y="0"/>
+          <a:chExt cx="0" cy="0"/>
+        </a:xfrm>
+      </p:grpSpPr>
+      <p:sp>
+        <p:nvSpPr>
+          <p:cNvPr id="2" name="Titel 1"/>
+          <p:cNvSpPr>
+            <a:spLocks noGrp="1"/>
+          </p:cNvSpPr>
+          <p:nvPr>
+            <p:ph type="title"/>
+          </p:nvPr>
+        </p:nvSpPr>
+        <p:spPr/>
+        <p:txBody>
+          <a:bodyPr/>
+          <a:lstStyle/>
+          <a:p>
+            <a:r>
+              <a:rPr lang="de-CH" dirty="0" smtClean="0"/>
+              <a:t>Erfahrungen</a:t>
+            </a:r>
+            <a:endParaRPr lang="de-CH" dirty="0"/>
+          </a:p>
+        </p:txBody>
+      </p:sp>
+      <p:sp>
+        <p:nvSpPr>
+          <p:cNvPr id="3" name="Inhaltsplatzhalter 2"/>
+          <p:cNvSpPr>
+            <a:spLocks noGrp="1"/>
+          </p:cNvSpPr>
+          <p:nvPr>
+            <p:ph idx="1"/>
+          </p:nvPr>
+        </p:nvSpPr>
+        <p:spPr/>
+        <p:txBody>
+          <a:bodyPr>
+            <a:normAutofit/>
+          </a:bodyPr>
+          <a:lstStyle/>
+          <a:p>
+            <a:pPr>
+              <a:buFont typeface="Wingdings 2" panose="05020102010507070707" pitchFamily="18" charset="2"/>
+              <a:buChar char=""/>
+            </a:pPr>
+            <a:r>
+              <a:rPr lang="de-CH" dirty="0" smtClean="0"/>
+              <a:t>Mehr Möglichkeiten als </a:t>
+            </a:r>
+            <a:r>
+              <a:rPr lang="de-CH" dirty="0" err="1" smtClean="0"/>
+              <a:t>Github</a:t>
+            </a:r>
+            <a:endParaRPr lang="de-CH" dirty="0" smtClean="0"/>
+          </a:p>
+          <a:p>
+            <a:pPr>
+              <a:buFont typeface="Wingdings 2" panose="05020102010507070707" pitchFamily="18" charset="2"/>
+              <a:buChar char=""/>
+            </a:pPr>
+            <a:r>
+              <a:rPr lang="de-CH" dirty="0" smtClean="0"/>
+              <a:t>Bessere Benutzerfreundlichkeit</a:t>
+            </a:r>
+            <a:endParaRPr lang="de-CH" dirty="0" smtClean="0"/>
+          </a:p>
+          <a:p>
+            <a:pPr>
+              <a:buFont typeface="Wingdings 2" panose="05020102010507070707" pitchFamily="18" charset="2"/>
+              <a:buChar char=""/>
+            </a:pPr>
+            <a:r>
+              <a:rPr lang="de-CH" dirty="0" smtClean="0"/>
+              <a:t>Transparenz durch Charts</a:t>
+            </a:r>
+            <a:endParaRPr lang="de-CH" dirty="0" smtClean="0"/>
+          </a:p>
+          <a:p>
+            <a:pPr>
+              <a:buFont typeface="Wingdings 2" panose="05020102010507070707" pitchFamily="18" charset="2"/>
+              <a:buChar char=""/>
+            </a:pPr>
+            <a:r>
+              <a:rPr lang="de-CH" dirty="0" smtClean="0"/>
+              <a:t>Hierarchische Übersicht</a:t>
+            </a:r>
+            <a:endParaRPr lang="de-CH" dirty="0" smtClean="0"/>
+          </a:p>
+          <a:p>
+            <a:pPr>
+              <a:buFont typeface="Wingdings 2" panose="05020102010507070707" pitchFamily="18" charset="2"/>
+              <a:buChar char=""/>
+            </a:pPr>
+            <a:r>
+              <a:rPr lang="de-CH" dirty="0" err="1" smtClean="0"/>
+              <a:t>Estimation</a:t>
+            </a:r>
+            <a:r>
+              <a:rPr lang="de-CH" dirty="0" smtClean="0"/>
+              <a:t> Funktion</a:t>
+            </a:r>
+            <a:endParaRPr lang="de-CH" dirty="0" smtClean="0"/>
+          </a:p>
+          <a:p>
+            <a:pPr>
+              <a:buFont typeface="Wingdings 2" panose="05020102010507070707" pitchFamily="18" charset="2"/>
+              <a:buChar char=""/>
+            </a:pPr>
+            <a:endParaRPr lang="de-CH" dirty="0"/>
+          </a:p>
+          <a:p>
+            <a:pPr>
+              <a:buFont typeface="Symbol" panose="05050102010706020507" pitchFamily="18" charset="2"/>
+              <a:buChar char="-"/>
+            </a:pPr>
+            <a:r>
+              <a:rPr lang="de-CH" dirty="0" smtClean="0"/>
+              <a:t>Sprache Deutsch</a:t>
+            </a:r>
+            <a:endParaRPr lang="de-CH" dirty="0" smtClean="0"/>
+          </a:p>
+          <a:p>
+            <a:pPr>
+              <a:buFont typeface="Symbol" panose="05050102010706020507" pitchFamily="18" charset="2"/>
+              <a:buChar char="-"/>
+            </a:pPr>
+            <a:r>
+              <a:rPr lang="de-CH" dirty="0" smtClean="0"/>
+              <a:t>Neue Darstellung ungewohnt</a:t>
+            </a:r>
+            <a:endParaRPr lang="de-CH" dirty="0" smtClean="0"/>
+          </a:p>
+          <a:p>
+            <a:pPr>
+              <a:buFont typeface="Symbol" panose="05050102010706020507" pitchFamily="18" charset="2"/>
+              <a:buChar char="-"/>
+            </a:pPr>
+            <a:r>
+              <a:rPr lang="de-CH" dirty="0" smtClean="0"/>
+              <a:t>Shortcuts nicht überall verfügbar</a:t>
+            </a:r>
+            <a:endParaRPr lang="de-CH" dirty="0" smtClean="0"/>
+          </a:p>
+        </p:txBody>
+      </p:sp>
+    </p:spTree>
+    <p:extLst>
+      <p:ext uri="{BB962C8B-B14F-4D97-AF65-F5344CB8AC3E}">
+        <p14:creationId xmlns:p14="http://schemas.microsoft.com/office/powerpoint/2010/main" val="764337790"/>
+      </p:ext>
+    </p:extLst>
+  </p:cSld>
+  <p:clrMapOvr>
+    <a:masterClrMapping/>
+  </p:clrMapOvr>
 </p:sld>
 </file>
 
 <file path=ppt/slides/slide2.xml><?xml version="1.0" encoding="utf-8"?>
-<p:sld xmlns:a="http://schemas.openxmlformats.org/drawingml/2006/main" xmlns:r="http://schemas.openxmlformats.org/officeDocument/2006/relationships" xmlns:p="http://schemas.openxmlformats.org/presentationml/2006/main">
+<p:sld xmlns:a="http://schemas.openxmlformats.org/drawingml/2006/main" xmlns:r="http://schemas.openxmlformats.org/officeDocument/2006/relationships" xmlns:p="http://schemas.openxmlformats.org/presentationml/2006/main" show="0">
   <p:cSld>
     <p:spTree>
       <p:nvGrpSpPr>
@@ -6335,11 +6686,19 @@
   <p:clrMapOvr>
     <a:masterClrMapping/>
   </p:clrMapOvr>
+  <mc:AlternateContent xmlns:mc="http://schemas.openxmlformats.org/markup-compatibility/2006">
+    <mc:Choice xmlns:p14="http://schemas.microsoft.com/office/powerpoint/2010/main" Requires="p14">
+      <p:transition spd="slow" p14:dur="2000"/>
+    </mc:Choice>
+    <mc:Fallback>
+      <p:transition spd="slow"/>
+    </mc:Fallback>
+  </mc:AlternateContent>
 </p:sld>
 </file>
 
 <file path=ppt/slides/slide3.xml><?xml version="1.0" encoding="utf-8"?>
-<p:sld xmlns:a="http://schemas.openxmlformats.org/drawingml/2006/main" xmlns:r="http://schemas.openxmlformats.org/officeDocument/2006/relationships" xmlns:p="http://schemas.openxmlformats.org/presentationml/2006/main">
+<p:sld xmlns:a="http://schemas.openxmlformats.org/drawingml/2006/main" xmlns:r="http://schemas.openxmlformats.org/officeDocument/2006/relationships" xmlns:p="http://schemas.openxmlformats.org/presentationml/2006/main" show="0">
   <p:cSld>
     <p:spTree>
       <p:nvGrpSpPr>
@@ -6412,11 +6771,19 @@
   <p:clrMapOvr>
     <a:masterClrMapping/>
   </p:clrMapOvr>
+  <mc:AlternateContent xmlns:mc="http://schemas.openxmlformats.org/markup-compatibility/2006">
+    <mc:Choice xmlns:p14="http://schemas.microsoft.com/office/powerpoint/2010/main" Requires="p14">
+      <p:transition spd="slow" p14:dur="2000"/>
+    </mc:Choice>
+    <mc:Fallback>
+      <p:transition spd="slow"/>
+    </mc:Fallback>
+  </mc:AlternateContent>
 </p:sld>
 </file>
 
 <file path=ppt/slides/slide4.xml><?xml version="1.0" encoding="utf-8"?>
-<p:sld xmlns:a="http://schemas.openxmlformats.org/drawingml/2006/main" xmlns:r="http://schemas.openxmlformats.org/officeDocument/2006/relationships" xmlns:p="http://schemas.openxmlformats.org/presentationml/2006/main">
+<p:sld xmlns:a="http://schemas.openxmlformats.org/drawingml/2006/main" xmlns:r="http://schemas.openxmlformats.org/officeDocument/2006/relationships" xmlns:p="http://schemas.openxmlformats.org/presentationml/2006/main" show="0">
   <p:cSld>
     <p:spTree>
       <p:nvGrpSpPr>
@@ -6493,6 +6860,14 @@
   <p:clrMapOvr>
     <a:masterClrMapping/>
   </p:clrMapOvr>
+  <mc:AlternateContent xmlns:mc="http://schemas.openxmlformats.org/markup-compatibility/2006">
+    <mc:Choice xmlns:p14="http://schemas.microsoft.com/office/powerpoint/2010/main" Requires="p14">
+      <p:transition spd="slow" p14:dur="2000"/>
+    </mc:Choice>
+    <mc:Fallback>
+      <p:transition spd="slow"/>
+    </mc:Fallback>
+  </mc:AlternateContent>
 </p:sld>
 </file>
 
@@ -6607,11 +6982,7 @@
           <a:p>
             <a:r>
               <a:rPr lang="de-CH" dirty="0" smtClean="0"/>
-              <a:t>Sprint </a:t>
-            </a:r>
-            <a:r>
-              <a:rPr lang="de-CH" dirty="0" smtClean="0"/>
-              <a:t>1 - </a:t>
+              <a:t>Sprint 1 - </a:t>
             </a:r>
             <a:r>
               <a:rPr lang="de-CH" dirty="0" err="1" smtClean="0"/>
@@ -6781,7 +7152,23 @@
           <a:p>
             <a:r>
               <a:rPr lang="de-CH" dirty="0" smtClean="0"/>
-              <a:t>Kumuliertes Flussdiagramm</a:t>
+              <a:t>Sprint </a:t>
+            </a:r>
+            <a:r>
+              <a:rPr lang="de-CH" dirty="0"/>
+              <a:t>3</a:t>
+            </a:r>
+            <a:r>
+              <a:rPr lang="de-CH" dirty="0" smtClean="0"/>
+              <a:t> </a:t>
+            </a:r>
+            <a:r>
+              <a:rPr lang="de-CH" dirty="0" smtClean="0"/>
+              <a:t>- </a:t>
+            </a:r>
+            <a:r>
+              <a:rPr lang="de-CH" dirty="0" err="1" smtClean="0"/>
+              <a:t>Burndown</a:t>
             </a:r>
             <a:endParaRPr lang="de-CH" dirty="0"/>
           </a:p>
@@ -6803,8 +7190,8 @@
         </p:blipFill>
         <p:spPr>
           <a:xfrm>
-            <a:off x="767750" y="1705825"/>
-            <a:ext cx="8819072" cy="4463238"/>
+            <a:off x="753468" y="1578827"/>
+            <a:ext cx="9190008" cy="4778059"/>
           </a:xfrm>
           <a:prstGeom prst="rect">
             <a:avLst/>
@@ -6814,7 +7201,7 @@
     </p:spTree>
     <p:extLst>
       <p:ext uri="{BB962C8B-B14F-4D97-AF65-F5344CB8AC3E}">
-        <p14:creationId xmlns:p14="http://schemas.microsoft.com/office/powerpoint/2010/main" val="3038206785"/>
+        <p14:creationId xmlns:p14="http://schemas.microsoft.com/office/powerpoint/2010/main" val="31446981"/>
       </p:ext>
     </p:extLst>
   </p:cSld>
@@ -6858,52 +7245,40 @@
           <a:p>
             <a:r>
               <a:rPr lang="de-CH" dirty="0" smtClean="0"/>
-              <a:t>Prototyp Aktion</a:t>
+              <a:t>Kumuliertes Flussdiagramm</a:t>
             </a:r>
             <a:endParaRPr lang="de-CH" dirty="0"/>
           </a:p>
         </p:txBody>
       </p:sp>
-      <p:sp>
-        <p:nvSpPr>
-          <p:cNvPr id="3" name="Inhaltsplatzhalter 2"/>
-          <p:cNvSpPr>
-            <a:spLocks noGrp="1"/>
-          </p:cNvSpPr>
-          <p:nvPr>
-            <p:ph idx="1"/>
-          </p:nvPr>
-        </p:nvSpPr>
-        <p:spPr/>
-        <p:txBody>
-          <a:bodyPr/>
-          <a:lstStyle/>
-          <a:p>
-            <a:r>
-              <a:rPr lang="de-CH" dirty="0" smtClean="0"/>
-              <a:t>Live Demo</a:t>
-            </a:r>
-            <a:br>
-              <a:rPr lang="de-CH" dirty="0" smtClean="0"/>
-            </a:br>
-            <a:r>
-              <a:rPr lang="de-CH" dirty="0" smtClean="0">
-                <a:hlinkClick r:id="rId2"/>
-              </a:rPr>
-              <a:t>https://smartcleaning.herokuapp.com/</a:t>
-            </a:r>
-            <a:r>
-              <a:rPr lang="de-CH" dirty="0" smtClean="0"/>
-              <a:t> </a:t>
-            </a:r>
-            <a:endParaRPr lang="de-CH" dirty="0"/>
-          </a:p>
-        </p:txBody>
-      </p:sp>
+      <p:pic>
+        <p:nvPicPr>
+          <p:cNvPr id="4" name="Grafik 3"/>
+          <p:cNvPicPr>
+            <a:picLocks noChangeAspect="1"/>
+          </p:cNvPicPr>
+          <p:nvPr/>
+        </p:nvPicPr>
+        <p:blipFill>
+          <a:blip r:embed="rId2"/>
+          <a:stretch>
+            <a:fillRect/>
+          </a:stretch>
+        </p:blipFill>
+        <p:spPr>
+          <a:xfrm>
+            <a:off x="785004" y="1746965"/>
+            <a:ext cx="8534399" cy="4437888"/>
+          </a:xfrm>
+          <a:prstGeom prst="rect">
+            <a:avLst/>
+          </a:prstGeom>
+        </p:spPr>
+      </p:pic>
     </p:spTree>
     <p:extLst>
       <p:ext uri="{BB962C8B-B14F-4D97-AF65-F5344CB8AC3E}">
-        <p14:creationId xmlns:p14="http://schemas.microsoft.com/office/powerpoint/2010/main" val="3492247949"/>
+        <p14:creationId xmlns:p14="http://schemas.microsoft.com/office/powerpoint/2010/main" val="3038206785"/>
       </p:ext>
     </p:extLst>
   </p:cSld>

--- a/Smartcleaning.pptx
+++ b/Smartcleaning.pptx
@@ -6054,7 +6054,7 @@
           <a:p>
             <a:r>
               <a:rPr lang="de-CH" dirty="0" smtClean="0"/>
-              <a:t>SPRINT 2</a:t>
+              <a:t>GOES JIRA</a:t>
             </a:r>
             <a:endParaRPr lang="de-CH" dirty="0"/>
           </a:p>
@@ -6427,11 +6427,11 @@
   <p:clrMapOvr>
     <a:masterClrMapping/>
   </p:clrMapOvr>
-  <mc:AlternateContent xmlns:mc="http://schemas.openxmlformats.org/markup-compatibility/2006">
-    <mc:Choice xmlns:p14="http://schemas.microsoft.com/office/powerpoint/2010/main" Requires="p14">
+  <mc:AlternateContent xmlns:mc="http://schemas.openxmlformats.org/markup-compatibility/2006" xmlns:p14="http://schemas.microsoft.com/office/powerpoint/2010/main">
+    <mc:Choice Requires="p14">
       <p:transition spd="slow" p14:dur="2000"/>
     </mc:Choice>
-    <mc:Fallback>
+    <mc:Fallback xmlns="">
       <p:transition spd="slow"/>
     </mc:Fallback>
   </mc:AlternateContent>
@@ -6518,7 +6518,6 @@
               <a:rPr lang="de-CH" dirty="0" smtClean="0"/>
               <a:t>Bessere Benutzerfreundlichkeit</a:t>
             </a:r>
-            <a:endParaRPr lang="de-CH" dirty="0" smtClean="0"/>
           </a:p>
           <a:p>
             <a:pPr>
@@ -6529,7 +6528,6 @@
               <a:rPr lang="de-CH" dirty="0" smtClean="0"/>
               <a:t>Transparenz durch Charts</a:t>
             </a:r>
-            <a:endParaRPr lang="de-CH" dirty="0" smtClean="0"/>
           </a:p>
           <a:p>
             <a:pPr>
@@ -6540,7 +6538,6 @@
               <a:rPr lang="de-CH" dirty="0" smtClean="0"/>
               <a:t>Hierarchische Übersicht</a:t>
             </a:r>
-            <a:endParaRPr lang="de-CH" dirty="0" smtClean="0"/>
           </a:p>
           <a:p>
             <a:pPr>
@@ -6555,7 +6552,6 @@
               <a:rPr lang="de-CH" dirty="0" smtClean="0"/>
               <a:t> Funktion</a:t>
             </a:r>
-            <a:endParaRPr lang="de-CH" dirty="0" smtClean="0"/>
           </a:p>
           <a:p>
             <a:pPr>
@@ -6573,7 +6569,6 @@
               <a:rPr lang="de-CH" dirty="0" smtClean="0"/>
               <a:t>Sprache Deutsch</a:t>
             </a:r>
-            <a:endParaRPr lang="de-CH" dirty="0" smtClean="0"/>
           </a:p>
           <a:p>
             <a:pPr>
@@ -6584,7 +6579,6 @@
               <a:rPr lang="de-CH" dirty="0" smtClean="0"/>
               <a:t>Neue Darstellung ungewohnt</a:t>
             </a:r>
-            <a:endParaRPr lang="de-CH" dirty="0" smtClean="0"/>
           </a:p>
           <a:p>
             <a:pPr>
@@ -6595,7 +6589,6 @@
               <a:rPr lang="de-CH" dirty="0" smtClean="0"/>
               <a:t>Shortcuts nicht überall verfügbar</a:t>
             </a:r>
-            <a:endParaRPr lang="de-CH" dirty="0" smtClean="0"/>
           </a:p>
         </p:txBody>
       </p:sp>
@@ -6686,11 +6679,11 @@
   <p:clrMapOvr>
     <a:masterClrMapping/>
   </p:clrMapOvr>
-  <mc:AlternateContent xmlns:mc="http://schemas.openxmlformats.org/markup-compatibility/2006">
-    <mc:Choice xmlns:p14="http://schemas.microsoft.com/office/powerpoint/2010/main" Requires="p14">
+  <mc:AlternateContent xmlns:mc="http://schemas.openxmlformats.org/markup-compatibility/2006" xmlns:p14="http://schemas.microsoft.com/office/powerpoint/2010/main">
+    <mc:Choice Requires="p14">
       <p:transition spd="slow" p14:dur="2000"/>
     </mc:Choice>
-    <mc:Fallback>
+    <mc:Fallback xmlns="">
       <p:transition spd="slow"/>
     </mc:Fallback>
   </mc:AlternateContent>
@@ -6771,11 +6764,11 @@
   <p:clrMapOvr>
     <a:masterClrMapping/>
   </p:clrMapOvr>
-  <mc:AlternateContent xmlns:mc="http://schemas.openxmlformats.org/markup-compatibility/2006">
-    <mc:Choice xmlns:p14="http://schemas.microsoft.com/office/powerpoint/2010/main" Requires="p14">
+  <mc:AlternateContent xmlns:mc="http://schemas.openxmlformats.org/markup-compatibility/2006" xmlns:p14="http://schemas.microsoft.com/office/powerpoint/2010/main">
+    <mc:Choice Requires="p14">
       <p:transition spd="slow" p14:dur="2000"/>
     </mc:Choice>
-    <mc:Fallback>
+    <mc:Fallback xmlns="">
       <p:transition spd="slow"/>
     </mc:Fallback>
   </mc:AlternateContent>
@@ -6860,11 +6853,11 @@
   <p:clrMapOvr>
     <a:masterClrMapping/>
   </p:clrMapOvr>
-  <mc:AlternateContent xmlns:mc="http://schemas.openxmlformats.org/markup-compatibility/2006">
-    <mc:Choice xmlns:p14="http://schemas.microsoft.com/office/powerpoint/2010/main" Requires="p14">
+  <mc:AlternateContent xmlns:mc="http://schemas.openxmlformats.org/markup-compatibility/2006" xmlns:p14="http://schemas.microsoft.com/office/powerpoint/2010/main">
+    <mc:Choice Requires="p14">
       <p:transition spd="slow" p14:dur="2000"/>
     </mc:Choice>
-    <mc:Fallback>
+    <mc:Fallback xmlns="">
       <p:transition spd="slow"/>
     </mc:Fallback>
   </mc:AlternateContent>
@@ -7160,11 +7153,7 @@
             </a:r>
             <a:r>
               <a:rPr lang="de-CH" dirty="0" smtClean="0"/>
-              <a:t> </a:t>
-            </a:r>
-            <a:r>
-              <a:rPr lang="de-CH" dirty="0" smtClean="0"/>
-              <a:t>- </a:t>
+              <a:t> - </a:t>
             </a:r>
             <a:r>
               <a:rPr lang="de-CH" dirty="0" err="1" smtClean="0"/>
